--- a/spring13/slides13/linrec-fibonacci.pptx
+++ b/spring13/slides13/linrec-fibonacci.pptx
@@ -3293,11 +3293,11 @@
   <p:clrMapOvr>
     <a:masterClrMapping/>
   </p:clrMapOvr>
-  <mc:AlternateContent xmlns:mc="http://schemas.openxmlformats.org/markup-compatibility/2006">
-    <mc:Choice xmlns:p14="http://schemas.microsoft.com/office/powerpoint/2010/main" Requires="p14">
+  <mc:AlternateContent xmlns:mc="http://schemas.openxmlformats.org/markup-compatibility/2006" xmlns:p14="http://schemas.microsoft.com/office/powerpoint/2010/main">
+    <mc:Choice Requires="p14">
       <p:transition spd="slow" p14:dur="2000" advClick="0"/>
     </mc:Choice>
-    <mc:Fallback>
+    <mc:Fallback xmlns="">
       <p:transition xmlns:p14="http://schemas.microsoft.com/office/powerpoint/2010/main" spd="slow" advClick="0"/>
     </mc:Fallback>
   </mc:AlternateContent>
@@ -3347,7 +3347,6 @@
               <a:rPr lang="en-US" dirty="0" smtClean="0"/>
               <a:t>Geometric Series Recurrence</a:t>
             </a:r>
-            <a:endParaRPr lang="en-US" dirty="0" smtClean="0"/>
           </a:p>
         </p:txBody>
       </p:sp>
@@ -3513,7 +3512,7 @@
           <a:graphicData uri="http://schemas.openxmlformats.org/presentationml/2006/ole">
             <mc:AlternateContent xmlns:mc="http://schemas.openxmlformats.org/markup-compatibility/2006">
               <mc:Choice xmlns:v="urn:schemas-microsoft-com:vml" Requires="v">
-                <p:oleObj spid="_x0000_s342036" name="Equation" r:id="rId4" imgW="6388100" imgH="850900" progId="Equation.DSMT4">
+                <p:oleObj spid="_x0000_s342055" name="Equation" r:id="rId4" imgW="6388100" imgH="850900" progId="Equation.DSMT4">
                   <p:embed/>
                 </p:oleObj>
               </mc:Choice>
@@ -3575,7 +3574,7 @@
           <a:graphicData uri="http://schemas.openxmlformats.org/presentationml/2006/ole">
             <mc:AlternateContent xmlns:mc="http://schemas.openxmlformats.org/markup-compatibility/2006">
               <mc:Choice xmlns:v="urn:schemas-microsoft-com:vml" Requires="v">
-                <p:oleObj spid="_x0000_s342037" name="Equation" r:id="rId6" imgW="1765300" imgH="850900" progId="Equation.DSMT4">
+                <p:oleObj spid="_x0000_s342056" name="Equation" r:id="rId6" imgW="1765300" imgH="850900" progId="Equation.DSMT4">
                   <p:embed/>
                 </p:oleObj>
               </mc:Choice>
@@ -3637,7 +3636,7 @@
           <a:graphicData uri="http://schemas.openxmlformats.org/presentationml/2006/ole">
             <mc:AlternateContent xmlns:mc="http://schemas.openxmlformats.org/markup-compatibility/2006">
               <mc:Choice xmlns:v="urn:schemas-microsoft-com:vml" Requires="v">
-                <p:oleObj spid="_x0000_s342038" name="Equation" r:id="rId8" imgW="1282700" imgH="850900" progId="Equation.DSMT4">
+                <p:oleObj spid="_x0000_s342057" name="Equation" r:id="rId8" imgW="1282700" imgH="850900" progId="Equation.DSMT4">
                   <p:embed/>
                 </p:oleObj>
               </mc:Choice>
@@ -3699,7 +3698,7 @@
           <a:graphicData uri="http://schemas.openxmlformats.org/presentationml/2006/ole">
             <mc:AlternateContent xmlns:mc="http://schemas.openxmlformats.org/markup-compatibility/2006">
               <mc:Choice xmlns:v="urn:schemas-microsoft-com:vml" Requires="v">
-                <p:oleObj spid="_x0000_s342039" name="Equation" r:id="rId10" imgW="6807200" imgH="850900" progId="Equation.DSMT4">
+                <p:oleObj spid="_x0000_s342058" name="Equation" r:id="rId10" imgW="6807200" imgH="850900" progId="Equation.DSMT4">
                   <p:embed/>
                 </p:oleObj>
               </mc:Choice>
@@ -3792,7 +3791,7 @@
           <a:graphicData uri="http://schemas.openxmlformats.org/presentationml/2006/ole">
             <mc:AlternateContent xmlns:mc="http://schemas.openxmlformats.org/markup-compatibility/2006">
               <mc:Choice xmlns:v="urn:schemas-microsoft-com:vml" Requires="v">
-                <p:oleObj spid="_x0000_s342040" name="Equation" r:id="rId12" imgW="2946400" imgH="850900" progId="Equation.DSMT4">
+                <p:oleObj spid="_x0000_s342059" name="Equation" r:id="rId12" imgW="2946400" imgH="850900" progId="Equation.DSMT4">
                   <p:embed/>
                 </p:oleObj>
               </mc:Choice>
@@ -3854,7 +3853,7 @@
           <a:graphicData uri="http://schemas.openxmlformats.org/presentationml/2006/ole">
             <mc:AlternateContent xmlns:mc="http://schemas.openxmlformats.org/markup-compatibility/2006">
               <mc:Choice xmlns:v="urn:schemas-microsoft-com:vml" Requires="v">
-                <p:oleObj spid="_x0000_s342041" name="Equation" r:id="rId14" imgW="2641320" imgH="1168200" progId="Equation.DSMT4">
+                <p:oleObj spid="_x0000_s342060" name="Equation" r:id="rId14" imgW="2641320" imgH="1168200" progId="Equation.DSMT4">
                   <p:embed/>
                 </p:oleObj>
               </mc:Choice>
@@ -3944,13 +3943,13 @@
   <p:clrMapOvr>
     <a:masterClrMapping/>
   </p:clrMapOvr>
-  <mc:AlternateContent xmlns:mc="http://schemas.openxmlformats.org/markup-compatibility/2006">
-    <mc:Choice xmlns:p14="http://schemas.microsoft.com/office/powerpoint/2010/main" Requires="p14">
+  <mc:AlternateContent xmlns:mc="http://schemas.openxmlformats.org/markup-compatibility/2006" xmlns:p14="http://schemas.microsoft.com/office/powerpoint/2010/main">
+    <mc:Choice Requires="p14">
       <p:transition spd="med" p14:dur="700" advClick="0">
         <p:fade/>
       </p:transition>
     </mc:Choice>
-    <mc:Fallback>
+    <mc:Fallback xmlns="">
       <p:transition xmlns:p14="http://schemas.microsoft.com/office/powerpoint/2010/main" spd="med" advClick="0">
         <p:fade/>
       </p:transition>
@@ -4136,7 +4135,7 @@
 </file>
 
 <file path=ppt/slides/slide11.xml><?xml version="1.0" encoding="utf-8"?>
-<p:sld xmlns:a="http://schemas.openxmlformats.org/drawingml/2006/main" xmlns:r="http://schemas.openxmlformats.org/officeDocument/2006/relationships" xmlns:p="http://schemas.openxmlformats.org/presentationml/2006/main">
+<p:sld xmlns:a="http://schemas.openxmlformats.org/drawingml/2006/main" xmlns:r="http://schemas.openxmlformats.org/officeDocument/2006/relationships" xmlns:p="http://schemas.openxmlformats.org/presentationml/2006/main" show="0">
   <p:cSld>
     <p:spTree>
       <p:nvGrpSpPr>
@@ -4408,7 +4407,7 @@
           <a:graphicData uri="http://schemas.openxmlformats.org/presentationml/2006/ole">
             <mc:AlternateContent xmlns:mc="http://schemas.openxmlformats.org/markup-compatibility/2006">
               <mc:Choice xmlns:v="urn:schemas-microsoft-com:vml" Requires="v">
-                <p:oleObj spid="_x0000_s45130" name="Equation" r:id="rId4" imgW="3987720" imgH="1384200" progId="Equation.DSMT4">
+                <p:oleObj spid="_x0000_s45134" name="Equation" r:id="rId4" imgW="3987720" imgH="1384200" progId="Equation.DSMT4">
                   <p:embed/>
                 </p:oleObj>
               </mc:Choice>
@@ -5881,25 +5880,25 @@
           <p:nvPr>
             <p:extLst>
               <p:ext uri="{D42A27DB-BD31-4B8C-83A1-F6EECF244321}">
-                <p14:modId xmlns:p14="http://schemas.microsoft.com/office/powerpoint/2010/main" val="3668043982"/>
+                <p14:modId xmlns:p14="http://schemas.microsoft.com/office/powerpoint/2010/main" val="1050303783"/>
               </p:ext>
             </p:extLst>
           </p:nvPr>
         </p:nvGraphicFramePr>
         <p:xfrm>
-          <a:off x="1066800" y="2819400"/>
-          <a:ext cx="1028700" cy="914400"/>
+          <a:off x="762000" y="2819400"/>
+          <a:ext cx="1362075" cy="990600"/>
         </p:xfrm>
         <a:graphic>
           <a:graphicData uri="http://schemas.openxmlformats.org/presentationml/2006/ole">
             <mc:AlternateContent xmlns:mc="http://schemas.openxmlformats.org/markup-compatibility/2006">
               <mc:Choice xmlns:v="urn:schemas-microsoft-com:vml" Requires="v">
-                <p:oleObj spid="_x0000_s55458" name="Equation" r:id="rId5" imgW="1028700" imgH="914400" progId="Equation.DSMT4">
+                <p:oleObj spid="_x0000_s55486" name="Equation" r:id="rId5" imgW="1257300" imgH="914400" progId="Equation.DSMT4">
                   <p:embed/>
                 </p:oleObj>
               </mc:Choice>
               <mc:Fallback>
-                <p:oleObj name="Equation" r:id="rId5" imgW="1028700" imgH="914400" progId="Equation.DSMT4">
+                <p:oleObj name="Equation" r:id="rId5" imgW="1257300" imgH="914400" progId="Equation.DSMT4">
                   <p:embed/>
                   <p:pic>
                     <p:nvPicPr>
@@ -5918,22 +5917,14 @@
                     </p:blipFill>
                     <p:spPr bwMode="auto">
                       <a:xfrm>
-                        <a:off x="1066800" y="2819400"/>
-                        <a:ext cx="1028700" cy="914400"/>
+                        <a:off x="762000" y="2819400"/>
+                        <a:ext cx="1362075" cy="990600"/>
                       </a:xfrm>
                       <a:prstGeom prst="rect">
                         <a:avLst/>
                       </a:prstGeom>
                       <a:noFill/>
-                      <a:extLst>
-                        <a:ext uri="{909E8E84-426E-40dd-AFC4-6F175D3DCCD1}">
-                          <a14:hiddenFill xmlns:a14="http://schemas.microsoft.com/office/drawing/2010/main">
-                            <a:solidFill>
-                              <a:srgbClr val="FFFFFF"/>
-                            </a:solidFill>
-                          </a14:hiddenFill>
-                        </a:ext>
-                      </a:extLst>
+                      <a:extLst/>
                     </p:spPr>
                   </p:pic>
                 </p:oleObj>
@@ -5948,22 +5939,28 @@
           <p:cNvGraphicFramePr>
             <a:graphicFrameLocks noChangeAspect="1"/>
           </p:cNvGraphicFramePr>
-          <p:nvPr/>
+          <p:nvPr>
+            <p:extLst>
+              <p:ext uri="{D42A27DB-BD31-4B8C-83A1-F6EECF244321}">
+                <p14:modId xmlns:p14="http://schemas.microsoft.com/office/powerpoint/2010/main" val="375993945"/>
+              </p:ext>
+            </p:extLst>
+          </p:nvPr>
         </p:nvGraphicFramePr>
         <p:xfrm>
-          <a:off x="1066800" y="3733800"/>
-          <a:ext cx="1930400" cy="635000"/>
+          <a:off x="685800" y="3594100"/>
+          <a:ext cx="1447800" cy="914400"/>
         </p:xfrm>
         <a:graphic>
           <a:graphicData uri="http://schemas.openxmlformats.org/presentationml/2006/ole">
             <mc:AlternateContent xmlns:mc="http://schemas.openxmlformats.org/markup-compatibility/2006">
               <mc:Choice xmlns:v="urn:schemas-microsoft-com:vml" Requires="v">
-                <p:oleObj spid="_x0000_s55459" name="Equation" r:id="rId7" imgW="1930320" imgH="634680" progId="Equation.DSMT4">
+                <p:oleObj spid="_x0000_s55487" name="Equation" r:id="rId7" imgW="1447800" imgH="914400" progId="Equation.DSMT4">
                   <p:embed/>
                 </p:oleObj>
               </mc:Choice>
               <mc:Fallback>
-                <p:oleObj name="Equation" r:id="rId7" imgW="1930320" imgH="634680" progId="Equation.DSMT4">
+                <p:oleObj name="Equation" r:id="rId7" imgW="1447800" imgH="914400" progId="Equation.DSMT4">
                   <p:embed/>
                   <p:pic>
                     <p:nvPicPr>
@@ -5974,13 +5971,7 @@
                       <p:nvPr/>
                     </p:nvPicPr>
                     <p:blipFill>
-                      <a:blip r:embed="rId8">
-                        <a:extLst>
-                          <a:ext uri="{28A0092B-C50C-407E-A947-70E740481C1C}">
-                            <a14:useLocalDpi xmlns:a14="http://schemas.microsoft.com/office/drawing/2010/main" val="0"/>
-                          </a:ext>
-                        </a:extLst>
-                      </a:blip>
+                      <a:blip r:embed="rId8"/>
                       <a:srcRect/>
                       <a:stretch>
                         <a:fillRect/>
@@ -5988,8 +5979,8 @@
                     </p:blipFill>
                     <p:spPr bwMode="auto">
                       <a:xfrm>
-                        <a:off x="1066800" y="3733800"/>
-                        <a:ext cx="1930400" cy="635000"/>
+                        <a:off x="685800" y="3594100"/>
+                        <a:ext cx="1447800" cy="914400"/>
                       </a:xfrm>
                       <a:prstGeom prst="rect">
                         <a:avLst/>
@@ -6028,7 +6019,7 @@
           <a:graphicData uri="http://schemas.openxmlformats.org/presentationml/2006/ole">
             <mc:AlternateContent xmlns:mc="http://schemas.openxmlformats.org/markup-compatibility/2006">
               <mc:Choice xmlns:v="urn:schemas-microsoft-com:vml" Requires="v">
-                <p:oleObj spid="_x0000_s55460" name="Equation" r:id="rId9" imgW="3530520" imgH="647640" progId="Equation.DSMT4">
+                <p:oleObj spid="_x0000_s55488" name="Equation" r:id="rId9" imgW="3530520" imgH="647640" progId="Equation.DSMT4">
                   <p:embed/>
                 </p:oleObj>
               </mc:Choice>
@@ -6091,9 +6082,9 @@
         <p:grpSpPr>
           <a:xfrm>
             <a:off x="533400" y="4716959"/>
-            <a:ext cx="3886200" cy="1404441"/>
+            <a:ext cx="4547227" cy="1683842"/>
             <a:chOff x="533400" y="4716959"/>
-            <a:chExt cx="3886200" cy="1404441"/>
+            <a:chExt cx="4368484" cy="1544142"/>
           </a:xfrm>
         </p:grpSpPr>
         <p:graphicFrame>
@@ -6102,22 +6093,28 @@
             <p:cNvGraphicFramePr>
               <a:graphicFrameLocks noChangeAspect="1"/>
             </p:cNvGraphicFramePr>
-            <p:nvPr/>
+            <p:nvPr>
+              <p:extLst>
+                <p:ext uri="{D42A27DB-BD31-4B8C-83A1-F6EECF244321}">
+                  <p14:modId xmlns:p14="http://schemas.microsoft.com/office/powerpoint/2010/main" val="2538703591"/>
+                </p:ext>
+              </p:extLst>
+            </p:nvPr>
           </p:nvGraphicFramePr>
           <p:xfrm>
-            <a:off x="1066800" y="5486400"/>
-            <a:ext cx="3352800" cy="635000"/>
+            <a:off x="1073150" y="5212930"/>
+            <a:ext cx="3828734" cy="1048171"/>
           </p:xfrm>
           <a:graphic>
             <a:graphicData uri="http://schemas.openxmlformats.org/presentationml/2006/ole">
               <mc:AlternateContent xmlns:mc="http://schemas.openxmlformats.org/markup-compatibility/2006">
                 <mc:Choice xmlns:v="urn:schemas-microsoft-com:vml" Requires="v">
-                  <p:oleObj spid="_x0000_s55461" name="Equation" r:id="rId11" imgW="3352680" imgH="634680" progId="Equation.DSMT4">
+                  <p:oleObj spid="_x0000_s55489" name="Equation" r:id="rId11" imgW="3340100" imgH="914400" progId="Equation.DSMT4">
                     <p:embed/>
                   </p:oleObj>
                 </mc:Choice>
                 <mc:Fallback>
-                  <p:oleObj name="Equation" r:id="rId11" imgW="3352680" imgH="634680" progId="Equation.DSMT4">
+                  <p:oleObj name="Equation" r:id="rId11" imgW="3340100" imgH="914400" progId="Equation.DSMT4">
                     <p:embed/>
                     <p:pic>
                       <p:nvPicPr>
@@ -6128,13 +6125,7 @@
                         <p:nvPr/>
                       </p:nvPicPr>
                       <p:blipFill>
-                        <a:blip r:embed="rId12">
-                          <a:extLst>
-                            <a:ext uri="{28A0092B-C50C-407E-A947-70E740481C1C}">
-                              <a14:useLocalDpi xmlns:a14="http://schemas.microsoft.com/office/drawing/2010/main" val="0"/>
-                            </a:ext>
-                          </a:extLst>
-                        </a:blip>
+                        <a:blip r:embed="rId12"/>
                         <a:srcRect/>
                         <a:stretch>
                           <a:fillRect/>
@@ -6142,22 +6133,14 @@
                       </p:blipFill>
                       <p:spPr bwMode="auto">
                         <a:xfrm>
-                          <a:off x="1066800" y="5486400"/>
-                          <a:ext cx="3352800" cy="635000"/>
+                          <a:off x="1073150" y="5212930"/>
+                          <a:ext cx="3828734" cy="1048171"/>
                         </a:xfrm>
                         <a:prstGeom prst="rect">
                           <a:avLst/>
                         </a:prstGeom>
                         <a:noFill/>
-                        <a:extLst>
-                          <a:ext uri="{909E8E84-426E-40dd-AFC4-6F175D3DCCD1}">
-                            <a14:hiddenFill xmlns:a14="http://schemas.microsoft.com/office/drawing/2010/main">
-                              <a:solidFill>
-                                <a:srgbClr val="FFFFFF"/>
-                              </a:solidFill>
-                            </a14:hiddenFill>
-                          </a:ext>
-                        </a:extLst>
+                        <a:extLst/>
                       </p:spPr>
                     </p:pic>
                   </p:oleObj>
@@ -6206,25 +6189,25 @@
           <p:nvPr>
             <p:extLst>
               <p:ext uri="{D42A27DB-BD31-4B8C-83A1-F6EECF244321}">
-                <p14:modId xmlns:p14="http://schemas.microsoft.com/office/powerpoint/2010/main" val="2310873919"/>
+                <p14:modId xmlns:p14="http://schemas.microsoft.com/office/powerpoint/2010/main" val="1325319089"/>
               </p:ext>
             </p:extLst>
           </p:nvPr>
         </p:nvGraphicFramePr>
         <p:xfrm>
-          <a:off x="2336800" y="2819400"/>
-          <a:ext cx="863600" cy="914400"/>
+          <a:off x="2438400" y="2819400"/>
+          <a:ext cx="622300" cy="1066800"/>
         </p:xfrm>
         <a:graphic>
           <a:graphicData uri="http://schemas.openxmlformats.org/presentationml/2006/ole">
             <mc:AlternateContent xmlns:mc="http://schemas.openxmlformats.org/markup-compatibility/2006">
               <mc:Choice xmlns:v="urn:schemas-microsoft-com:vml" Requires="v">
-                <p:oleObj spid="_x0000_s55462" name="Equation" r:id="rId13" imgW="863600" imgH="914400" progId="Equation.DSMT4">
+                <p:oleObj spid="_x0000_s55490" name="Equation" r:id="rId13" imgW="533400" imgH="914400" progId="Equation.DSMT4">
                   <p:embed/>
                 </p:oleObj>
               </mc:Choice>
               <mc:Fallback>
-                <p:oleObj name="Equation" r:id="rId13" imgW="863600" imgH="914400" progId="Equation.DSMT4">
+                <p:oleObj name="Equation" r:id="rId13" imgW="533400" imgH="914400" progId="Equation.DSMT4">
                   <p:embed/>
                   <p:pic>
                     <p:nvPicPr>
@@ -6240,8 +6223,8 @@
                     </p:blipFill>
                     <p:spPr>
                       <a:xfrm>
-                        <a:off x="2336800" y="2819400"/>
-                        <a:ext cx="863600" cy="914400"/>
+                        <a:off x="2438400" y="2819400"/>
+                        <a:ext cx="622300" cy="1066800"/>
                       </a:xfrm>
                       <a:prstGeom prst="rect">
                         <a:avLst/>
@@ -6263,25 +6246,25 @@
           <p:nvPr>
             <p:extLst>
               <p:ext uri="{D42A27DB-BD31-4B8C-83A1-F6EECF244321}">
-                <p14:modId xmlns:p14="http://schemas.microsoft.com/office/powerpoint/2010/main" val="4217470806"/>
+                <p14:modId xmlns:p14="http://schemas.microsoft.com/office/powerpoint/2010/main" val="85329108"/>
               </p:ext>
             </p:extLst>
           </p:nvPr>
         </p:nvGraphicFramePr>
         <p:xfrm>
-          <a:off x="3238500" y="2819400"/>
-          <a:ext cx="1397000" cy="914400"/>
+          <a:off x="3200400" y="2906486"/>
+          <a:ext cx="1143000" cy="979714"/>
         </p:xfrm>
         <a:graphic>
           <a:graphicData uri="http://schemas.openxmlformats.org/presentationml/2006/ole">
             <mc:AlternateContent xmlns:mc="http://schemas.openxmlformats.org/markup-compatibility/2006">
               <mc:Choice xmlns:v="urn:schemas-microsoft-com:vml" Requires="v">
-                <p:oleObj spid="_x0000_s55463" name="Equation" r:id="rId15" imgW="1397000" imgH="914400" progId="Equation.DSMT4">
+                <p:oleObj spid="_x0000_s55491" name="Equation" r:id="rId15" imgW="1066800" imgH="914400" progId="Equation.DSMT4">
                   <p:embed/>
                 </p:oleObj>
               </mc:Choice>
               <mc:Fallback>
-                <p:oleObj name="Equation" r:id="rId15" imgW="1397000" imgH="914400" progId="Equation.DSMT4">
+                <p:oleObj name="Equation" r:id="rId15" imgW="1066800" imgH="914400" progId="Equation.DSMT4">
                   <p:embed/>
                   <p:pic>
                     <p:nvPicPr>
@@ -6297,8 +6280,65 @@
                     </p:blipFill>
                     <p:spPr>
                       <a:xfrm>
-                        <a:off x="3238500" y="2819400"/>
-                        <a:ext cx="1397000" cy="914400"/>
+                        <a:off x="3200400" y="2906486"/>
+                        <a:ext cx="1143000" cy="979714"/>
+                      </a:xfrm>
+                      <a:prstGeom prst="rect">
+                        <a:avLst/>
+                      </a:prstGeom>
+                    </p:spPr>
+                  </p:pic>
+                </p:oleObj>
+              </mc:Fallback>
+            </mc:AlternateContent>
+          </a:graphicData>
+        </a:graphic>
+      </p:graphicFrame>
+      <p:graphicFrame>
+        <p:nvGraphicFramePr>
+          <p:cNvPr id="16" name="Object 15"/>
+          <p:cNvGraphicFramePr>
+            <a:graphicFrameLocks noChangeAspect="1"/>
+          </p:cNvGraphicFramePr>
+          <p:nvPr>
+            <p:extLst>
+              <p:ext uri="{D42A27DB-BD31-4B8C-83A1-F6EECF244321}">
+                <p14:modId xmlns:p14="http://schemas.microsoft.com/office/powerpoint/2010/main" val="3381076102"/>
+              </p:ext>
+            </p:extLst>
+          </p:nvPr>
+        </p:nvGraphicFramePr>
+        <p:xfrm>
+          <a:off x="2438400" y="3657600"/>
+          <a:ext cx="622300" cy="1066800"/>
+        </p:xfrm>
+        <a:graphic>
+          <a:graphicData uri="http://schemas.openxmlformats.org/presentationml/2006/ole">
+            <mc:AlternateContent xmlns:mc="http://schemas.openxmlformats.org/markup-compatibility/2006">
+              <mc:Choice xmlns:v="urn:schemas-microsoft-com:vml" Requires="v">
+                <p:oleObj spid="_x0000_s55492" name="Equation" r:id="rId17" imgW="533400" imgH="914400" progId="Equation.DSMT4">
+                  <p:embed/>
+                </p:oleObj>
+              </mc:Choice>
+              <mc:Fallback>
+                <p:oleObj name="Equation" r:id="rId17" imgW="533400" imgH="914400" progId="Equation.DSMT4">
+                  <p:embed/>
+                  <p:pic>
+                    <p:nvPicPr>
+                      <p:cNvPr id="0" name=""/>
+                      <p:cNvPicPr/>
+                      <p:nvPr/>
+                    </p:nvPicPr>
+                    <p:blipFill>
+                      <a:blip r:embed="rId14"/>
+                      <a:stretch>
+                        <a:fillRect/>
+                      </a:stretch>
+                    </p:blipFill>
+                    <p:spPr>
+                      <a:xfrm>
+                        <a:off x="2438400" y="3657600"/>
+                        <a:ext cx="622300" cy="1066800"/>
                       </a:xfrm>
                       <a:prstGeom prst="rect">
                         <a:avLst/>
@@ -6316,13 +6356,13 @@
   <p:clrMapOvr>
     <a:masterClrMapping/>
   </p:clrMapOvr>
-  <mc:AlternateContent xmlns:mc="http://schemas.openxmlformats.org/markup-compatibility/2006">
-    <mc:Choice xmlns:p14="http://schemas.microsoft.com/office/powerpoint/2010/main" Requires="p14">
+  <mc:AlternateContent xmlns:mc="http://schemas.openxmlformats.org/markup-compatibility/2006" xmlns:p14="http://schemas.microsoft.com/office/powerpoint/2010/main">
+    <mc:Choice Requires="p14">
       <p:transition spd="slow" p14:dur="900" advClick="0">
         <p:fade/>
       </p:transition>
     </mc:Choice>
-    <mc:Fallback>
+    <mc:Fallback xmlns="">
       <p:transition xmlns:p14="http://schemas.microsoft.com/office/powerpoint/2010/main" spd="slow" advClick="0">
         <p:fade/>
       </p:transition>
@@ -6374,7 +6414,7 @@
                                     </p:set>
                                     <p:animEffect transition="in" filter="wipe(left)">
                                       <p:cBhvr>
-                                        <p:cTn id="7" dur="1000"/>
+                                        <p:cTn id="7" dur="500"/>
                                         <p:tgtEl>
                                           <p:spTgt spid="8"/>
                                         </p:tgtEl>
@@ -6508,7 +6548,7 @@
                             </p:stCondLst>
                             <p:childTnLst>
                               <p:par>
-                                <p:cTn id="20" presetID="22" presetClass="entr" presetSubtype="8" fill="hold" nodeType="clickEffect">
+                                <p:cTn id="20" presetID="10" presetClass="entr" presetSubtype="0" fill="hold" nodeType="clickEffect">
                                   <p:stCondLst>
                                     <p:cond delay="0"/>
                                   </p:stCondLst>
@@ -6531,7 +6571,7 @@
                                         <p:strVal val="visible"/>
                                       </p:to>
                                     </p:set>
-                                    <p:animEffect transition="in" filter="wipe(left)">
+                                    <p:animEffect transition="in" filter="fade">
                                       <p:cBhvr>
                                         <p:cTn id="22" dur="500"/>
                                         <p:tgtEl>
@@ -6614,7 +6654,7 @@
                             </p:stCondLst>
                             <p:childTnLst>
                               <p:par>
-                                <p:cTn id="30" presetID="22" presetClass="entr" presetSubtype="1" fill="hold" nodeType="clickEffect">
+                                <p:cTn id="30" presetID="10" presetClass="entr" presetSubtype="0" fill="hold" nodeType="clickEffect">
                                   <p:stCondLst>
                                     <p:cond delay="0"/>
                                   </p:stCondLst>
@@ -6622,6 +6662,59 @@
                                     <p:set>
                                       <p:cBhvr>
                                         <p:cTn id="31" dur="1" fill="hold">
+                                          <p:stCondLst>
+                                            <p:cond delay="0"/>
+                                          </p:stCondLst>
+                                        </p:cTn>
+                                        <p:tgtEl>
+                                          <p:spTgt spid="16"/>
+                                        </p:tgtEl>
+                                        <p:attrNameLst>
+                                          <p:attrName>style.visibility</p:attrName>
+                                        </p:attrNameLst>
+                                      </p:cBhvr>
+                                      <p:to>
+                                        <p:strVal val="visible"/>
+                                      </p:to>
+                                    </p:set>
+                                    <p:animEffect transition="in" filter="fade">
+                                      <p:cBhvr>
+                                        <p:cTn id="32" dur="500"/>
+                                        <p:tgtEl>
+                                          <p:spTgt spid="16"/>
+                                        </p:tgtEl>
+                                      </p:cBhvr>
+                                    </p:animEffect>
+                                  </p:childTnLst>
+                                </p:cTn>
+                              </p:par>
+                            </p:childTnLst>
+                          </p:cTn>
+                        </p:par>
+                      </p:childTnLst>
+                    </p:cTn>
+                  </p:par>
+                  <p:par>
+                    <p:cTn id="33" fill="hold">
+                      <p:stCondLst>
+                        <p:cond delay="indefinite"/>
+                      </p:stCondLst>
+                      <p:childTnLst>
+                        <p:par>
+                          <p:cTn id="34" fill="hold">
+                            <p:stCondLst>
+                              <p:cond delay="0"/>
+                            </p:stCondLst>
+                            <p:childTnLst>
+                              <p:par>
+                                <p:cTn id="35" presetID="22" presetClass="entr" presetSubtype="1" fill="hold" nodeType="clickEffect">
+                                  <p:stCondLst>
+                                    <p:cond delay="0"/>
+                                  </p:stCondLst>
+                                  <p:childTnLst>
+                                    <p:set>
+                                      <p:cBhvr>
+                                        <p:cTn id="36" dur="1" fill="hold">
                                           <p:stCondLst>
                                             <p:cond delay="0"/>
                                           </p:stCondLst>
@@ -6639,7 +6732,7 @@
                                     </p:set>
                                     <p:animEffect transition="in" filter="wipe(up)">
                                       <p:cBhvr>
-                                        <p:cTn id="32" dur="500"/>
+                                        <p:cTn id="37" dur="500"/>
                                         <p:tgtEl>
                                           <p:spTgt spid="15"/>
                                         </p:tgtEl>
@@ -6696,6 +6789,63 @@
           <a:chExt cx="0" cy="0"/>
         </a:xfrm>
       </p:grpSpPr>
+      <p:graphicFrame>
+        <p:nvGraphicFramePr>
+          <p:cNvPr id="3" name="Object 2"/>
+          <p:cNvGraphicFramePr>
+            <a:graphicFrameLocks noChangeAspect="1"/>
+          </p:cNvGraphicFramePr>
+          <p:nvPr>
+            <p:extLst>
+              <p:ext uri="{D42A27DB-BD31-4B8C-83A1-F6EECF244321}">
+                <p14:modId xmlns:p14="http://schemas.microsoft.com/office/powerpoint/2010/main" val="1146466395"/>
+              </p:ext>
+            </p:extLst>
+          </p:nvPr>
+        </p:nvGraphicFramePr>
+        <p:xfrm>
+          <a:off x="1524000" y="1828800"/>
+          <a:ext cx="6123517" cy="1676400"/>
+        </p:xfrm>
+        <a:graphic>
+          <a:graphicData uri="http://schemas.openxmlformats.org/presentationml/2006/ole">
+            <mc:AlternateContent xmlns:mc="http://schemas.openxmlformats.org/markup-compatibility/2006">
+              <mc:Choice xmlns:v="urn:schemas-microsoft-com:vml" Requires="v">
+                <p:oleObj spid="_x0000_s1026" name="Equation" r:id="rId4" imgW="3340100" imgH="914400" progId="Equation.DSMT4">
+                  <p:embed/>
+                </p:oleObj>
+              </mc:Choice>
+              <mc:Fallback>
+                <p:oleObj name="Equation" r:id="rId4" imgW="3340100" imgH="914400" progId="Equation.DSMT4">
+                  <p:embed/>
+                  <p:pic>
+                    <p:nvPicPr>
+                      <p:cNvPr id="0" name=""/>
+                      <p:cNvPicPr/>
+                      <p:nvPr/>
+                    </p:nvPicPr>
+                    <p:blipFill>
+                      <a:blip r:embed="rId5"/>
+                      <a:stretch>
+                        <a:fillRect/>
+                      </a:stretch>
+                    </p:blipFill>
+                    <p:spPr>
+                      <a:xfrm>
+                        <a:off x="1524000" y="1828800"/>
+                        <a:ext cx="6123517" cy="1676400"/>
+                      </a:xfrm>
+                      <a:prstGeom prst="rect">
+                        <a:avLst/>
+                      </a:prstGeom>
+                    </p:spPr>
+                  </p:pic>
+                </p:oleObj>
+              </mc:Fallback>
+            </mc:AlternateContent>
+          </a:graphicData>
+        </a:graphic>
+      </p:graphicFrame>
       <p:sp>
         <p:nvSpPr>
           <p:cNvPr id="15363" name="Rectangle 2"/>
@@ -6719,97 +6869,6 @@
           </a:p>
         </p:txBody>
       </p:sp>
-      <p:sp>
-        <p:nvSpPr>
-          <p:cNvPr id="15364" name="Rectangle 3"/>
-          <p:cNvSpPr>
-            <a:spLocks noGrp="1" noChangeArrowheads="1"/>
-          </p:cNvSpPr>
-          <p:nvPr>
-            <p:ph idx="1"/>
-          </p:nvPr>
-        </p:nvSpPr>
-        <p:spPr>
-          <a:xfrm>
-            <a:off x="2057400" y="1905000"/>
-            <a:ext cx="5029200" cy="1143000"/>
-          </a:xfrm>
-        </p:spPr>
-        <p:txBody>
-          <a:bodyPr/>
-          <a:lstStyle/>
-          <a:p>
-            <a:pPr eaLnBrk="1" hangingPunct="1">
-              <a:buFontTx/>
-              <a:buNone/>
-            </a:pPr>
-            <a:r>
-              <a:rPr lang="en-US" sz="6000" dirty="0" err="1" smtClean="0">
-                <a:solidFill>
-                  <a:srgbClr val="0000FF"/>
-                </a:solidFill>
-              </a:rPr>
-              <a:t>b</a:t>
-            </a:r>
-            <a:r>
-              <a:rPr lang="en-US" sz="6000" baseline="-25000" dirty="0" err="1" smtClean="0">
-                <a:solidFill>
-                  <a:srgbClr val="0000FF"/>
-                </a:solidFill>
-              </a:rPr>
-              <a:t>n</a:t>
-            </a:r>
-            <a:r>
-              <a:rPr lang="en-US" sz="6000" dirty="0" smtClean="0">
-                <a:solidFill>
-                  <a:srgbClr val="0000FF"/>
-                </a:solidFill>
-              </a:rPr>
-              <a:t> </a:t>
-            </a:r>
-            <a:r>
-              <a:rPr lang="en-US" sz="6000" dirty="0" smtClean="0"/>
-              <a:t>=</a:t>
-            </a:r>
-            <a:r>
-              <a:rPr lang="en-US" sz="6000" dirty="0" smtClean="0">
-                <a:solidFill>
-                  <a:srgbClr val="0000FF"/>
-                </a:solidFill>
-              </a:rPr>
-              <a:t> b</a:t>
-            </a:r>
-            <a:r>
-              <a:rPr lang="en-US" sz="6000" baseline="-25000" dirty="0" smtClean="0">
-                <a:solidFill>
-                  <a:srgbClr val="0000FF"/>
-                </a:solidFill>
-              </a:rPr>
-              <a:t>n-1</a:t>
-            </a:r>
-            <a:r>
-              <a:rPr lang="en-US" sz="6000" dirty="0" smtClean="0"/>
-              <a:t> + </a:t>
-            </a:r>
-            <a:r>
-              <a:rPr lang="en-US" sz="6000" dirty="0" smtClean="0">
-                <a:solidFill>
-                  <a:srgbClr val="0000FF"/>
-                </a:solidFill>
-              </a:rPr>
-              <a:t>b</a:t>
-            </a:r>
-            <a:r>
-              <a:rPr lang="en-US" sz="6000" baseline="-25000" dirty="0" smtClean="0">
-                <a:solidFill>
-                  <a:srgbClr val="0000FF"/>
-                </a:solidFill>
-              </a:rPr>
-              <a:t>n-2</a:t>
-            </a:r>
-          </a:p>
-        </p:txBody>
-      </p:sp>
       <p:pic>
         <p:nvPicPr>
           <p:cNvPr id="15365" name="Picture 4" descr="MPj03168950000[1]"/>
@@ -6819,7 +6878,7 @@
           <p:nvPr/>
         </p:nvPicPr>
         <p:blipFill>
-          <a:blip r:embed="rId3"/>
+          <a:blip r:embed="rId6"/>
           <a:srcRect/>
           <a:stretch>
             <a:fillRect/>
@@ -6852,8 +6911,8 @@
         </p:nvSpPr>
         <p:spPr bwMode="auto">
           <a:xfrm>
-            <a:off x="1600200" y="1828800"/>
-            <a:ext cx="5715000" cy="1295400"/>
+            <a:off x="1295400" y="1752600"/>
+            <a:ext cx="6629400" cy="1981200"/>
           </a:xfrm>
           <a:prstGeom prst="rect">
             <a:avLst/>
@@ -7088,13 +7147,13 @@
   <p:clrMapOvr>
     <a:masterClrMapping/>
   </p:clrMapOvr>
-  <mc:AlternateContent xmlns:mc="http://schemas.openxmlformats.org/markup-compatibility/2006">
-    <mc:Choice xmlns:p14="http://schemas.microsoft.com/office/powerpoint/2010/main" Requires="p14">
+  <mc:AlternateContent xmlns:mc="http://schemas.openxmlformats.org/markup-compatibility/2006" xmlns:p14="http://schemas.microsoft.com/office/powerpoint/2010/main">
+    <mc:Choice Requires="p14">
       <p:transition spd="slow" p14:dur="900" advClick="0">
         <p:fade/>
       </p:transition>
     </mc:Choice>
-    <mc:Fallback>
+    <mc:Fallback xmlns="">
       <p:transition xmlns:p14="http://schemas.microsoft.com/office/powerpoint/2010/main" spd="slow" advClick="0">
         <p:fade/>
       </p:transition>
@@ -7341,7 +7400,7 @@
           <a:graphicData uri="http://schemas.openxmlformats.org/presentationml/2006/ole">
             <mc:AlternateContent xmlns:mc="http://schemas.openxmlformats.org/markup-compatibility/2006">
               <mc:Choice xmlns:v="urn:schemas-microsoft-com:vml" Requires="v">
-                <p:oleObj spid="_x0000_s106676" name="Equation" r:id="rId4" imgW="8204200" imgH="850900" progId="Equation.DSMT4">
+                <p:oleObj spid="_x0000_s106697" name="Equation" r:id="rId4" imgW="8204200" imgH="850900" progId="Equation.DSMT4">
                   <p:embed/>
                 </p:oleObj>
               </mc:Choice>
@@ -7411,7 +7470,7 @@
           <a:graphicData uri="http://schemas.openxmlformats.org/presentationml/2006/ole">
             <mc:AlternateContent xmlns:mc="http://schemas.openxmlformats.org/markup-compatibility/2006">
               <mc:Choice xmlns:v="urn:schemas-microsoft-com:vml" Requires="v">
-                <p:oleObj spid="_x0000_s106677" name="Equation" r:id="rId6" imgW="8204200" imgH="850900" progId="Equation.DSMT4">
+                <p:oleObj spid="_x0000_s106698" name="Equation" r:id="rId6" imgW="8204200" imgH="850900" progId="Equation.DSMT4">
                   <p:embed/>
                 </p:oleObj>
               </mc:Choice>
@@ -7481,7 +7540,7 @@
           <a:graphicData uri="http://schemas.openxmlformats.org/presentationml/2006/ole">
             <mc:AlternateContent xmlns:mc="http://schemas.openxmlformats.org/markup-compatibility/2006">
               <mc:Choice xmlns:v="urn:schemas-microsoft-com:vml" Requires="v">
-                <p:oleObj spid="_x0000_s106678" name="Equation" r:id="rId8" imgW="8204200" imgH="850900" progId="Equation.DSMT4">
+                <p:oleObj spid="_x0000_s106699" name="Equation" r:id="rId8" imgW="8204200" imgH="850900" progId="Equation.DSMT4">
                   <p:embed/>
                 </p:oleObj>
               </mc:Choice>
@@ -7630,7 +7689,7 @@
         </p:nvCxnSpPr>
         <p:spPr bwMode="auto">
           <a:xfrm rot="5400000">
-            <a:off x="7132120" y="2856706"/>
+            <a:off x="7049294" y="2856706"/>
             <a:ext cx="2514600" cy="1588"/>
           </a:xfrm>
           <a:prstGeom prst="straightConnector1">
@@ -7662,25 +7721,25 @@
           <p:nvPr>
             <p:extLst>
               <p:ext uri="{D42A27DB-BD31-4B8C-83A1-F6EECF244321}">
-                <p14:modId xmlns:p14="http://schemas.microsoft.com/office/powerpoint/2010/main" val="3867268528"/>
+                <p14:modId xmlns:p14="http://schemas.microsoft.com/office/powerpoint/2010/main" val="2461403619"/>
               </p:ext>
             </p:extLst>
           </p:nvPr>
         </p:nvGraphicFramePr>
         <p:xfrm>
-          <a:off x="412750" y="4076700"/>
-          <a:ext cx="8204200" cy="622300"/>
+          <a:off x="5105400" y="3886200"/>
+          <a:ext cx="3860800" cy="749300"/>
         </p:xfrm>
         <a:graphic>
           <a:graphicData uri="http://schemas.openxmlformats.org/presentationml/2006/ole">
             <mc:AlternateContent xmlns:mc="http://schemas.openxmlformats.org/markup-compatibility/2006">
               <mc:Choice xmlns:v="urn:schemas-microsoft-com:vml" Requires="v">
-                <p:oleObj spid="_x0000_s106679" name="Equation" r:id="rId10" imgW="8204200" imgH="622300" progId="Equation.DSMT4">
+                <p:oleObj spid="_x0000_s106700" name="Equation" r:id="rId10" imgW="3860800" imgH="749300" progId="Equation.DSMT4">
                   <p:embed/>
                 </p:oleObj>
               </mc:Choice>
               <mc:Fallback>
-                <p:oleObj name="Equation" r:id="rId10" imgW="8204200" imgH="622300" progId="Equation.DSMT4">
+                <p:oleObj name="Equation" r:id="rId10" imgW="3860800" imgH="749300" progId="Equation.DSMT4">
                   <p:embed/>
                   <p:pic>
                     <p:nvPicPr>
@@ -7699,8 +7758,8 @@
                     </p:blipFill>
                     <p:spPr bwMode="auto">
                       <a:xfrm>
-                        <a:off x="412750" y="4076700"/>
-                        <a:ext cx="8204200" cy="622300"/>
+                        <a:off x="5105400" y="3886200"/>
+                        <a:ext cx="3860800" cy="749300"/>
                       </a:xfrm>
                       <a:prstGeom prst="rect">
                         <a:avLst/>
@@ -7732,25 +7791,25 @@
           <p:nvPr>
             <p:extLst>
               <p:ext uri="{D42A27DB-BD31-4B8C-83A1-F6EECF244321}">
-                <p14:modId xmlns:p14="http://schemas.microsoft.com/office/powerpoint/2010/main" val="3973262935"/>
+                <p14:modId xmlns:p14="http://schemas.microsoft.com/office/powerpoint/2010/main" val="2662033681"/>
               </p:ext>
             </p:extLst>
           </p:nvPr>
         </p:nvGraphicFramePr>
         <p:xfrm>
-          <a:off x="4603750" y="5276850"/>
-          <a:ext cx="4038600" cy="850900"/>
+          <a:off x="4622800" y="5276850"/>
+          <a:ext cx="4000500" cy="850900"/>
         </p:xfrm>
         <a:graphic>
           <a:graphicData uri="http://schemas.openxmlformats.org/presentationml/2006/ole">
             <mc:AlternateContent xmlns:mc="http://schemas.openxmlformats.org/markup-compatibility/2006">
               <mc:Choice xmlns:v="urn:schemas-microsoft-com:vml" Requires="v">
-                <p:oleObj spid="_x0000_s106680" name="Equation" r:id="rId12" imgW="4038600" imgH="850900" progId="Equation.DSMT4">
+                <p:oleObj spid="_x0000_s106701" name="Equation" r:id="rId12" imgW="4000500" imgH="850900" progId="Equation.DSMT4">
                   <p:embed/>
                 </p:oleObj>
               </mc:Choice>
               <mc:Fallback>
-                <p:oleObj name="Equation" r:id="rId12" imgW="4038600" imgH="850900" progId="Equation.DSMT4">
+                <p:oleObj name="Equation" r:id="rId12" imgW="4000500" imgH="850900" progId="Equation.DSMT4">
                   <p:embed/>
                   <p:pic>
                     <p:nvPicPr>
@@ -7769,8 +7828,8 @@
                     </p:blipFill>
                     <p:spPr bwMode="auto">
                       <a:xfrm>
-                        <a:off x="4603750" y="5276850"/>
-                        <a:ext cx="4038600" cy="850900"/>
+                        <a:off x="4622800" y="5276850"/>
+                        <a:ext cx="4000500" cy="850900"/>
                       </a:xfrm>
                       <a:prstGeom prst="rect">
                         <a:avLst/>
@@ -7822,7 +7881,7 @@
                             </p:stCondLst>
                             <p:childTnLst>
                               <p:par>
-                                <p:cTn id="5" presetID="9" presetClass="entr" presetSubtype="0" fill="hold" nodeType="clickEffect">
+                                <p:cTn id="5" presetID="22" presetClass="entr" presetSubtype="8" fill="hold" nodeType="clickEffect">
                                   <p:stCondLst>
                                     <p:cond delay="0"/>
                                   </p:stCondLst>
@@ -7835,7 +7894,7 @@
                                           </p:stCondLst>
                                         </p:cTn>
                                         <p:tgtEl>
-                                          <p:spTgt spid="24"/>
+                                          <p:spTgt spid="5"/>
                                         </p:tgtEl>
                                         <p:attrNameLst>
                                           <p:attrName>style.visibility</p:attrName>
@@ -7845,11 +7904,11 @@
                                         <p:strVal val="visible"/>
                                       </p:to>
                                     </p:set>
-                                    <p:animEffect transition="in" filter="dissolve">
+                                    <p:animEffect transition="in" filter="wipe(left)">
                                       <p:cBhvr>
-                                        <p:cTn id="7" dur="500"/>
+                                        <p:cTn id="7" dur="1000"/>
                                         <p:tgtEl>
-                                          <p:spTgt spid="24"/>
+                                          <p:spTgt spid="5"/>
                                         </p:tgtEl>
                                       </p:cBhvr>
                                     </p:animEffect>
@@ -7875,7 +7934,7 @@
                             </p:stCondLst>
                             <p:childTnLst>
                               <p:par>
-                                <p:cTn id="10" presetID="22" presetClass="entr" presetSubtype="8" fill="hold" nodeType="clickEffect">
+                                <p:cTn id="10" presetID="9" presetClass="entr" presetSubtype="0" fill="hold" nodeType="clickEffect">
                                   <p:stCondLst>
                                     <p:cond delay="0"/>
                                   </p:stCondLst>
@@ -7888,7 +7947,7 @@
                                           </p:stCondLst>
                                         </p:cTn>
                                         <p:tgtEl>
-                                          <p:spTgt spid="106499"/>
+                                          <p:spTgt spid="24"/>
                                         </p:tgtEl>
                                         <p:attrNameLst>
                                           <p:attrName>style.visibility</p:attrName>
@@ -7898,11 +7957,11 @@
                                         <p:strVal val="visible"/>
                                       </p:to>
                                     </p:set>
-                                    <p:animEffect transition="in" filter="wipe(left)">
+                                    <p:animEffect transition="in" filter="dissolve">
                                       <p:cBhvr>
-                                        <p:cTn id="12" dur="1000"/>
+                                        <p:cTn id="12" dur="500"/>
                                         <p:tgtEl>
-                                          <p:spTgt spid="106499"/>
+                                          <p:spTgt spid="24"/>
                                         </p:tgtEl>
                                       </p:cBhvr>
                                     </p:animEffect>
@@ -7941,7 +8000,7 @@
                                           </p:stCondLst>
                                         </p:cTn>
                                         <p:tgtEl>
-                                          <p:spTgt spid="106500"/>
+                                          <p:spTgt spid="106499"/>
                                         </p:tgtEl>
                                         <p:attrNameLst>
                                           <p:attrName>style.visibility</p:attrName>
@@ -7955,6 +8014,59 @@
                                       <p:cBhvr>
                                         <p:cTn id="17" dur="1000"/>
                                         <p:tgtEl>
+                                          <p:spTgt spid="106499"/>
+                                        </p:tgtEl>
+                                      </p:cBhvr>
+                                    </p:animEffect>
+                                  </p:childTnLst>
+                                </p:cTn>
+                              </p:par>
+                            </p:childTnLst>
+                          </p:cTn>
+                        </p:par>
+                      </p:childTnLst>
+                    </p:cTn>
+                  </p:par>
+                  <p:par>
+                    <p:cTn id="18" fill="hold">
+                      <p:stCondLst>
+                        <p:cond delay="indefinite"/>
+                      </p:stCondLst>
+                      <p:childTnLst>
+                        <p:par>
+                          <p:cTn id="19" fill="hold">
+                            <p:stCondLst>
+                              <p:cond delay="0"/>
+                            </p:stCondLst>
+                            <p:childTnLst>
+                              <p:par>
+                                <p:cTn id="20" presetID="22" presetClass="entr" presetSubtype="8" fill="hold" nodeType="clickEffect">
+                                  <p:stCondLst>
+                                    <p:cond delay="0"/>
+                                  </p:stCondLst>
+                                  <p:childTnLst>
+                                    <p:set>
+                                      <p:cBhvr>
+                                        <p:cTn id="21" dur="1" fill="hold">
+                                          <p:stCondLst>
+                                            <p:cond delay="0"/>
+                                          </p:stCondLst>
+                                        </p:cTn>
+                                        <p:tgtEl>
+                                          <p:spTgt spid="106500"/>
+                                        </p:tgtEl>
+                                        <p:attrNameLst>
+                                          <p:attrName>style.visibility</p:attrName>
+                                        </p:attrNameLst>
+                                      </p:cBhvr>
+                                      <p:to>
+                                        <p:strVal val="visible"/>
+                                      </p:to>
+                                    </p:set>
+                                    <p:animEffect transition="in" filter="wipe(left)">
+                                      <p:cBhvr>
+                                        <p:cTn id="22" dur="1000"/>
+                                        <p:tgtEl>
                                           <p:spTgt spid="106500"/>
                                         </p:tgtEl>
                                       </p:cBhvr>
@@ -7966,20 +8078,20 @@
                           </p:cTn>
                         </p:par>
                         <p:par>
-                          <p:cTn id="18" fill="hold">
+                          <p:cTn id="23" fill="hold">
                             <p:stCondLst>
                               <p:cond delay="1000"/>
                             </p:stCondLst>
                             <p:childTnLst>
                               <p:par>
-                                <p:cTn id="19" presetID="9" presetClass="entr" presetSubtype="0" fill="hold" nodeType="afterEffect">
+                                <p:cTn id="24" presetID="9" presetClass="entr" presetSubtype="0" fill="hold" nodeType="afterEffect">
                                   <p:stCondLst>
                                     <p:cond delay="500"/>
                                   </p:stCondLst>
                                   <p:childTnLst>
                                     <p:set>
                                       <p:cBhvr>
-                                        <p:cTn id="20" dur="1" fill="hold">
+                                        <p:cTn id="25" dur="1" fill="hold">
                                           <p:stCondLst>
                                             <p:cond delay="0"/>
                                           </p:stCondLst>
@@ -7997,7 +8109,7 @@
                                     </p:set>
                                     <p:animEffect transition="in" filter="dissolve">
                                       <p:cBhvr>
-                                        <p:cTn id="21" dur="500"/>
+                                        <p:cTn id="26" dur="500"/>
                                         <p:tgtEl>
                                           <p:spTgt spid="10"/>
                                         </p:tgtEl>
@@ -8013,26 +8125,26 @@
                     </p:cTn>
                   </p:par>
                   <p:par>
-                    <p:cTn id="22" fill="hold">
+                    <p:cTn id="27" fill="hold">
                       <p:stCondLst>
                         <p:cond delay="indefinite"/>
                       </p:stCondLst>
                       <p:childTnLst>
                         <p:par>
-                          <p:cTn id="23" fill="hold">
+                          <p:cTn id="28" fill="hold">
                             <p:stCondLst>
                               <p:cond delay="0"/>
                             </p:stCondLst>
                             <p:childTnLst>
                               <p:par>
-                                <p:cTn id="24" presetID="22" presetClass="entr" presetSubtype="8" fill="hold" nodeType="clickEffect">
+                                <p:cTn id="29" presetID="22" presetClass="entr" presetSubtype="8" fill="hold" nodeType="clickEffect">
                                   <p:stCondLst>
                                     <p:cond delay="0"/>
                                   </p:stCondLst>
                                   <p:childTnLst>
                                     <p:set>
                                       <p:cBhvr>
-                                        <p:cTn id="25" dur="1" fill="hold">
+                                        <p:cTn id="30" dur="1" fill="hold">
                                           <p:stCondLst>
                                             <p:cond delay="0"/>
                                           </p:stCondLst>
@@ -8050,7 +8162,7 @@
                                     </p:set>
                                     <p:animEffect transition="in" filter="wipe(left)">
                                       <p:cBhvr>
-                                        <p:cTn id="26" dur="2000"/>
+                                        <p:cTn id="31" dur="2000"/>
                                         <p:tgtEl>
                                           <p:spTgt spid="106503"/>
                                         </p:tgtEl>
@@ -8060,14 +8172,14 @@
                                 </p:cTn>
                               </p:par>
                               <p:par>
-                                <p:cTn id="27" presetID="9" presetClass="entr" presetSubtype="0" fill="hold" nodeType="withEffect">
+                                <p:cTn id="32" presetID="9" presetClass="entr" presetSubtype="0" fill="hold" nodeType="withEffect">
                                   <p:stCondLst>
-                                    <p:cond delay="900"/>
+                                    <p:cond delay="0"/>
                                   </p:stCondLst>
                                   <p:childTnLst>
                                     <p:set>
                                       <p:cBhvr>
-                                        <p:cTn id="28" dur="1" fill="hold">
+                                        <p:cTn id="33" dur="1" fill="hold">
                                           <p:stCondLst>
                                             <p:cond delay="0"/>
                                           </p:stCondLst>
@@ -8085,7 +8197,7 @@
                                     </p:set>
                                     <p:animEffect transition="in" filter="dissolve">
                                       <p:cBhvr>
-                                        <p:cTn id="29" dur="250"/>
+                                        <p:cTn id="34" dur="250"/>
                                         <p:tgtEl>
                                           <p:spTgt spid="16"/>
                                         </p:tgtEl>
@@ -8095,14 +8207,14 @@
                                 </p:cTn>
                               </p:par>
                               <p:par>
-                                <p:cTn id="30" presetID="9" presetClass="entr" presetSubtype="0" fill="hold" nodeType="withEffect">
+                                <p:cTn id="35" presetID="9" presetClass="entr" presetSubtype="0" fill="hold" nodeType="withEffect">
                                   <p:stCondLst>
-                                    <p:cond delay="1300"/>
+                                    <p:cond delay="0"/>
                                   </p:stCondLst>
                                   <p:childTnLst>
                                     <p:set>
                                       <p:cBhvr>
-                                        <p:cTn id="31" dur="1" fill="hold">
+                                        <p:cTn id="36" dur="1" fill="hold">
                                           <p:stCondLst>
                                             <p:cond delay="0"/>
                                           </p:stCondLst>
@@ -8120,7 +8232,7 @@
                                     </p:set>
                                     <p:animEffect transition="in" filter="dissolve">
                                       <p:cBhvr>
-                                        <p:cTn id="32" dur="250"/>
+                                        <p:cTn id="37" dur="250"/>
                                         <p:tgtEl>
                                           <p:spTgt spid="21"/>
                                         </p:tgtEl>
@@ -8130,14 +8242,14 @@
                                 </p:cTn>
                               </p:par>
                               <p:par>
-                                <p:cTn id="33" presetID="9" presetClass="entr" presetSubtype="0" fill="hold" nodeType="withEffect">
+                                <p:cTn id="38" presetID="9" presetClass="entr" presetSubtype="0" fill="hold" nodeType="withEffect">
                                   <p:stCondLst>
-                                    <p:cond delay="1700"/>
+                                    <p:cond delay="0"/>
                                   </p:stCondLst>
                                   <p:childTnLst>
                                     <p:set>
                                       <p:cBhvr>
-                                        <p:cTn id="34" dur="1" fill="hold">
+                                        <p:cTn id="39" dur="1" fill="hold">
                                           <p:stCondLst>
                                             <p:cond delay="0"/>
                                           </p:stCondLst>
@@ -8155,7 +8267,7 @@
                                     </p:set>
                                     <p:animEffect transition="in" filter="dissolve">
                                       <p:cBhvr>
-                                        <p:cTn id="35" dur="250"/>
+                                        <p:cTn id="40" dur="250"/>
                                         <p:tgtEl>
                                           <p:spTgt spid="22"/>
                                         </p:tgtEl>
@@ -8302,7 +8414,7 @@
           <a:graphicData uri="http://schemas.openxmlformats.org/presentationml/2006/ole">
             <mc:AlternateContent xmlns:mc="http://schemas.openxmlformats.org/markup-compatibility/2006">
               <mc:Choice xmlns:v="urn:schemas-microsoft-com:vml" Requires="v">
-                <p:oleObj spid="_x0000_s108756" name="Equation" r:id="rId4" imgW="4114800" imgH="850900" progId="Equation.DSMT4">
+                <p:oleObj spid="_x0000_s108775" name="Equation" r:id="rId4" imgW="4114800" imgH="850900" progId="Equation.DSMT4">
                   <p:embed/>
                 </p:oleObj>
               </mc:Choice>
@@ -8366,7 +8478,7 @@
           <a:graphicData uri="http://schemas.openxmlformats.org/presentationml/2006/ole">
             <mc:AlternateContent xmlns:mc="http://schemas.openxmlformats.org/markup-compatibility/2006">
               <mc:Choice xmlns:v="urn:schemas-microsoft-com:vml" Requires="v">
-                <p:oleObj spid="_x0000_s108757" name="Equation" r:id="rId6" imgW="4101840" imgH="596880" progId="Equation.DSMT4">
+                <p:oleObj spid="_x0000_s108776" name="Equation" r:id="rId6" imgW="4101840" imgH="596880" progId="Equation.DSMT4">
                   <p:embed/>
                 </p:oleObj>
               </mc:Choice>
@@ -8436,7 +8548,7 @@
           <a:graphicData uri="http://schemas.openxmlformats.org/presentationml/2006/ole">
             <mc:AlternateContent xmlns:mc="http://schemas.openxmlformats.org/markup-compatibility/2006">
               <mc:Choice xmlns:v="urn:schemas-microsoft-com:vml" Requires="v">
-                <p:oleObj spid="_x0000_s108758" name="Equation" r:id="rId8" imgW="4317840" imgH="622080" progId="Equation.DSMT4">
+                <p:oleObj spid="_x0000_s108777" name="Equation" r:id="rId8" imgW="4317840" imgH="622080" progId="Equation.DSMT4">
                   <p:embed/>
                 </p:oleObj>
               </mc:Choice>
@@ -8543,7 +8655,7 @@
           <a:graphicData uri="http://schemas.openxmlformats.org/presentationml/2006/ole">
             <mc:AlternateContent xmlns:mc="http://schemas.openxmlformats.org/markup-compatibility/2006">
               <mc:Choice xmlns:v="urn:schemas-microsoft-com:vml" Requires="v">
-                <p:oleObj spid="_x0000_s108759" name="Equation" r:id="rId10" imgW="1714500" imgH="1943100" progId="Equation.DSMT4">
+                <p:oleObj spid="_x0000_s108778" name="Equation" r:id="rId10" imgW="1714500" imgH="1943100" progId="Equation.DSMT4">
                   <p:embed/>
                 </p:oleObj>
               </mc:Choice>
@@ -8607,7 +8719,7 @@
           <a:graphicData uri="http://schemas.openxmlformats.org/presentationml/2006/ole">
             <mc:AlternateContent xmlns:mc="http://schemas.openxmlformats.org/markup-compatibility/2006">
               <mc:Choice xmlns:v="urn:schemas-microsoft-com:vml" Requires="v">
-                <p:oleObj spid="_x0000_s108760" name="Equation" r:id="rId12" imgW="8280360" imgH="647640" progId="Equation.DSMT4">
+                <p:oleObj spid="_x0000_s108779" name="Equation" r:id="rId12" imgW="8280360" imgH="647640" progId="Equation.DSMT4">
                   <p:embed/>
                 </p:oleObj>
               </mc:Choice>
@@ -8677,7 +8789,7 @@
           <a:graphicData uri="http://schemas.openxmlformats.org/presentationml/2006/ole">
             <mc:AlternateContent xmlns:mc="http://schemas.openxmlformats.org/markup-compatibility/2006">
               <mc:Choice xmlns:v="urn:schemas-microsoft-com:vml" Requires="v">
-                <p:oleObj spid="_x0000_s108761" name="Equation" r:id="rId14" imgW="7251480" imgH="660240" progId="Equation.DSMT4">
+                <p:oleObj spid="_x0000_s108780" name="Equation" r:id="rId14" imgW="7251480" imgH="660240" progId="Equation.DSMT4">
                   <p:embed/>
                 </p:oleObj>
               </mc:Choice>
@@ -8736,13 +8848,13 @@
   <p:clrMapOvr>
     <a:masterClrMapping/>
   </p:clrMapOvr>
-  <mc:AlternateContent xmlns:mc="http://schemas.openxmlformats.org/markup-compatibility/2006">
-    <mc:Choice xmlns:p14="http://schemas.microsoft.com/office/powerpoint/2010/main" Requires="p14">
+  <mc:AlternateContent xmlns:mc="http://schemas.openxmlformats.org/markup-compatibility/2006" xmlns:p14="http://schemas.microsoft.com/office/powerpoint/2010/main">
+    <mc:Choice Requires="p14">
       <p:transition spd="slow" p14:dur="900" advClick="0">
         <p:fade/>
       </p:transition>
     </mc:Choice>
-    <mc:Fallback>
+    <mc:Fallback xmlns="">
       <p:transition xmlns:p14="http://schemas.microsoft.com/office/powerpoint/2010/main" spd="slow" advClick="0">
         <p:fade/>
       </p:transition>
@@ -9010,7 +9122,7 @@
           <a:graphicData uri="http://schemas.openxmlformats.org/presentationml/2006/ole">
             <mc:AlternateContent xmlns:mc="http://schemas.openxmlformats.org/markup-compatibility/2006">
               <mc:Choice xmlns:v="urn:schemas-microsoft-com:vml" Requires="v">
-                <p:oleObj spid="_x0000_s334896" name="Equation" r:id="rId3" imgW="3987720" imgH="1384200" progId="Equation.DSMT4">
+                <p:oleObj spid="_x0000_s334900" name="Equation" r:id="rId3" imgW="3987720" imgH="1384200" progId="Equation.DSMT4">
                   <p:embed/>
                 </p:oleObj>
               </mc:Choice>
@@ -9100,18 +9212,52 @@
           </a:p>
         </p:txBody>
       </p:sp>
+      <p:sp>
+        <p:nvSpPr>
+          <p:cNvPr id="2" name="Rectangle 1"/>
+          <p:cNvSpPr/>
+          <p:nvPr/>
+        </p:nvSpPr>
+        <p:spPr bwMode="auto">
+          <a:xfrm>
+            <a:off x="990600" y="2362200"/>
+            <a:ext cx="7162800" cy="2514600"/>
+          </a:xfrm>
+          <a:prstGeom prst="rect">
+            <a:avLst/>
+          </a:prstGeom>
+          <a:noFill/>
+          <a:ln w="44450">
+            <a:solidFill>
+              <a:srgbClr val="FF00FF"/>
+            </a:solidFill>
+            <a:prstDash val="sysDash"/>
+            <a:miter lim="800000"/>
+            <a:headEnd/>
+            <a:tailEnd/>
+          </a:ln>
+        </p:spPr>
+        <p:txBody>
+          <a:bodyPr wrap="none" rtlCol="0" anchor="ctr"/>
+          <a:lstStyle/>
+          <a:p>
+            <a:pPr algn="ctr"/>
+            <a:endParaRPr lang="en-US"/>
+          </a:p>
+        </p:txBody>
+      </p:sp>
     </p:spTree>
   </p:cSld>
   <p:clrMapOvr>
     <a:masterClrMapping/>
   </p:clrMapOvr>
-  <mc:AlternateContent xmlns:mc="http://schemas.openxmlformats.org/markup-compatibility/2006">
-    <mc:Choice xmlns:p14="http://schemas.microsoft.com/office/powerpoint/2010/main" Requires="p14">
+  <mc:AlternateContent xmlns:mc="http://schemas.openxmlformats.org/markup-compatibility/2006" xmlns:p14="http://schemas.microsoft.com/office/powerpoint/2010/main">
+    <mc:Choice Requires="p14">
       <p:transition spd="slow" p14:dur="950" advClick="0">
         <p:fade/>
       </p:transition>
     </mc:Choice>
-    <mc:Fallback>
+    <mc:Fallback xmlns="">
       <p:transition xmlns:p14="http://schemas.microsoft.com/office/powerpoint/2010/main" spd="slow" advClick="0">
         <p:fade/>
       </p:transition>
@@ -9120,9 +9266,88 @@
   <p:timing>
     <p:tnLst>
       <p:par>
-        <p:cTn xmlns:p14="http://schemas.microsoft.com/office/powerpoint/2010/main" id="1" dur="indefinite" restart="never" nodeType="tmRoot"/>
+        <p:cTn xmlns:p14="http://schemas.microsoft.com/office/powerpoint/2010/main" id="1" dur="indefinite" restart="never" nodeType="tmRoot">
+          <p:childTnLst>
+            <p:seq concurrent="1" nextAc="seek">
+              <p:cTn id="2" dur="indefinite" nodeType="mainSeq">
+                <p:childTnLst>
+                  <p:par>
+                    <p:cTn id="3" fill="hold">
+                      <p:stCondLst>
+                        <p:cond delay="indefinite"/>
+                      </p:stCondLst>
+                      <p:childTnLst>
+                        <p:par>
+                          <p:cTn id="4" fill="hold">
+                            <p:stCondLst>
+                              <p:cond delay="0"/>
+                            </p:stCondLst>
+                            <p:childTnLst>
+                              <p:par>
+                                <p:cTn id="5" presetID="10" presetClass="entr" presetSubtype="0" fill="hold" grpId="0" nodeType="clickEffect">
+                                  <p:stCondLst>
+                                    <p:cond delay="0"/>
+                                  </p:stCondLst>
+                                  <p:childTnLst>
+                                    <p:set>
+                                      <p:cBhvr>
+                                        <p:cTn id="6" dur="1" fill="hold">
+                                          <p:stCondLst>
+                                            <p:cond delay="0"/>
+                                          </p:stCondLst>
+                                        </p:cTn>
+                                        <p:tgtEl>
+                                          <p:spTgt spid="2"/>
+                                        </p:tgtEl>
+                                        <p:attrNameLst>
+                                          <p:attrName>style.visibility</p:attrName>
+                                        </p:attrNameLst>
+                                      </p:cBhvr>
+                                      <p:to>
+                                        <p:strVal val="visible"/>
+                                      </p:to>
+                                    </p:set>
+                                    <p:animEffect transition="in" filter="fade">
+                                      <p:cBhvr>
+                                        <p:cTn id="7" dur="500"/>
+                                        <p:tgtEl>
+                                          <p:spTgt spid="2"/>
+                                        </p:tgtEl>
+                                      </p:cBhvr>
+                                    </p:animEffect>
+                                  </p:childTnLst>
+                                </p:cTn>
+                              </p:par>
+                            </p:childTnLst>
+                          </p:cTn>
+                        </p:par>
+                      </p:childTnLst>
+                    </p:cTn>
+                  </p:par>
+                </p:childTnLst>
+              </p:cTn>
+              <p:prevCondLst>
+                <p:cond evt="onPrev" delay="0">
+                  <p:tgtEl>
+                    <p:sldTgt/>
+                  </p:tgtEl>
+                </p:cond>
+              </p:prevCondLst>
+              <p:nextCondLst>
+                <p:cond evt="onNext" delay="0">
+                  <p:tgtEl>
+                    <p:sldTgt/>
+                  </p:tgtEl>
+                </p:cond>
+              </p:nextCondLst>
+            </p:seq>
+          </p:childTnLst>
+        </p:cTn>
       </p:par>
     </p:tnLst>
+    <p:bldLst>
+      <p:bldP spid="2" grpId="0" animBg="1"/>
+    </p:bldLst>
   </p:timing>
 </p:sld>
 </file>
@@ -9163,7 +9388,6 @@
               <a:rPr lang="en-US" dirty="0" smtClean="0"/>
               <a:t>Geometric Series Recurrence</a:t>
             </a:r>
-            <a:endParaRPr lang="en-US" dirty="0" smtClean="0"/>
           </a:p>
         </p:txBody>
       </p:sp>
@@ -9329,7 +9553,7 @@
           <a:graphicData uri="http://schemas.openxmlformats.org/presentationml/2006/ole">
             <mc:AlternateContent xmlns:mc="http://schemas.openxmlformats.org/markup-compatibility/2006">
               <mc:Choice xmlns:v="urn:schemas-microsoft-com:vml" Requires="v">
-                <p:oleObj spid="_x0000_s338959" name="Equation" r:id="rId4" imgW="5118100" imgH="749300" progId="Equation.DSMT4">
+                <p:oleObj spid="_x0000_s338963" name="Equation" r:id="rId4" imgW="5118100" imgH="749300" progId="Equation.DSMT4">
                   <p:embed/>
                 </p:oleObj>
               </mc:Choice>
@@ -9379,13 +9603,13 @@
   <p:clrMapOvr>
     <a:masterClrMapping/>
   </p:clrMapOvr>
-  <mc:AlternateContent xmlns:mc="http://schemas.openxmlformats.org/markup-compatibility/2006">
-    <mc:Choice xmlns:p14="http://schemas.microsoft.com/office/powerpoint/2010/main" Requires="p14">
+  <mc:AlternateContent xmlns:mc="http://schemas.openxmlformats.org/markup-compatibility/2006" xmlns:p14="http://schemas.microsoft.com/office/powerpoint/2010/main">
+    <mc:Choice Requires="p14">
       <p:transition spd="slow" p14:dur="1200" advClick="0">
         <p:fade thruBlk="1"/>
       </p:transition>
     </mc:Choice>
-    <mc:Fallback>
+    <mc:Fallback xmlns="">
       <p:transition xmlns:p14="http://schemas.microsoft.com/office/powerpoint/2010/main" spd="slow" advClick="0">
         <p:fade thruBlk="1"/>
       </p:transition>
@@ -9437,7 +9661,6 @@
               <a:rPr lang="en-US" dirty="0" smtClean="0"/>
               <a:t>Geometric Series Recurrence</a:t>
             </a:r>
-            <a:endParaRPr lang="en-US" dirty="0" smtClean="0"/>
           </a:p>
         </p:txBody>
       </p:sp>
@@ -9603,7 +9826,7 @@
           <a:graphicData uri="http://schemas.openxmlformats.org/presentationml/2006/ole">
             <mc:AlternateContent xmlns:mc="http://schemas.openxmlformats.org/markup-compatibility/2006">
               <mc:Choice xmlns:v="urn:schemas-microsoft-com:vml" Requires="v">
-                <p:oleObj spid="_x0000_s341032" name="Equation" r:id="rId4" imgW="6388100" imgH="850900" progId="Equation.DSMT4">
+                <p:oleObj spid="_x0000_s341051" name="Equation" r:id="rId4" imgW="6388100" imgH="850900" progId="Equation.DSMT4">
                   <p:embed/>
                 </p:oleObj>
               </mc:Choice>
@@ -9652,7 +9875,7 @@
           <p:nvPr>
             <p:extLst>
               <p:ext uri="{D42A27DB-BD31-4B8C-83A1-F6EECF244321}">
-                <p14:modId xmlns:p14="http://schemas.microsoft.com/office/powerpoint/2010/main" val="789574123"/>
+                <p14:modId xmlns:p14="http://schemas.microsoft.com/office/powerpoint/2010/main" val="2577569091"/>
               </p:ext>
             </p:extLst>
           </p:nvPr>
@@ -9665,7 +9888,7 @@
           <a:graphicData uri="http://schemas.openxmlformats.org/presentationml/2006/ole">
             <mc:AlternateContent xmlns:mc="http://schemas.openxmlformats.org/markup-compatibility/2006">
               <mc:Choice xmlns:v="urn:schemas-microsoft-com:vml" Requires="v">
-                <p:oleObj spid="_x0000_s341033" name="Equation" r:id="rId6" imgW="6807200" imgH="850900" progId="Equation.DSMT4">
+                <p:oleObj spid="_x0000_s341052" name="Equation" r:id="rId6" imgW="6807200" imgH="850900" progId="Equation.DSMT4">
                   <p:embed/>
                 </p:oleObj>
               </mc:Choice>
@@ -9727,7 +9950,7 @@
           <a:graphicData uri="http://schemas.openxmlformats.org/presentationml/2006/ole">
             <mc:AlternateContent xmlns:mc="http://schemas.openxmlformats.org/markup-compatibility/2006">
               <mc:Choice xmlns:v="urn:schemas-microsoft-com:vml" Requires="v">
-                <p:oleObj spid="_x0000_s341034" name="Equation" r:id="rId8" imgW="2616200" imgH="850900" progId="Equation.DSMT4">
+                <p:oleObj spid="_x0000_s341053" name="Equation" r:id="rId8" imgW="2616200" imgH="850900" progId="Equation.DSMT4">
                   <p:embed/>
                 </p:oleObj>
               </mc:Choice>
@@ -9837,7 +10060,7 @@
         </p:nvCxnSpPr>
         <p:spPr bwMode="auto">
           <a:xfrm>
-            <a:off x="8153400" y="2743200"/>
+            <a:off x="8268694" y="2743200"/>
             <a:ext cx="37106" cy="2209800"/>
           </a:xfrm>
           <a:prstGeom prst="straightConnector1">
@@ -9900,20 +10123,20 @@
           <p:nvPr>
             <p:extLst>
               <p:ext uri="{D42A27DB-BD31-4B8C-83A1-F6EECF244321}">
-                <p14:modId xmlns:p14="http://schemas.microsoft.com/office/powerpoint/2010/main" val="2742719456"/>
+                <p14:modId xmlns:p14="http://schemas.microsoft.com/office/powerpoint/2010/main" val="2428044485"/>
               </p:ext>
             </p:extLst>
           </p:nvPr>
         </p:nvGraphicFramePr>
         <p:xfrm>
-          <a:off x="4841875" y="4724400"/>
+          <a:off x="4800600" y="4724400"/>
           <a:ext cx="4357688" cy="952500"/>
         </p:xfrm>
         <a:graphic>
           <a:graphicData uri="http://schemas.openxmlformats.org/presentationml/2006/ole">
             <mc:AlternateContent xmlns:mc="http://schemas.openxmlformats.org/markup-compatibility/2006">
               <mc:Choice xmlns:v="urn:schemas-microsoft-com:vml" Requires="v">
-                <p:oleObj spid="_x0000_s341035" name="Equation" r:id="rId10" imgW="3429000" imgH="749300" progId="Equation.DSMT4">
+                <p:oleObj spid="_x0000_s341054" name="Equation" r:id="rId10" imgW="3429000" imgH="749300" progId="Equation.DSMT4">
                   <p:embed/>
                 </p:oleObj>
               </mc:Choice>
@@ -9937,7 +10160,7 @@
                     </p:blipFill>
                     <p:spPr bwMode="auto">
                       <a:xfrm>
-                        <a:off x="4841875" y="4724400"/>
+                        <a:off x="4800600" y="4724400"/>
                         <a:ext cx="4357688" cy="952500"/>
                       </a:xfrm>
                       <a:prstGeom prst="rect">
@@ -9975,7 +10198,7 @@
           <a:graphicData uri="http://schemas.openxmlformats.org/presentationml/2006/ole">
             <mc:AlternateContent xmlns:mc="http://schemas.openxmlformats.org/markup-compatibility/2006">
               <mc:Choice xmlns:v="urn:schemas-microsoft-com:vml" Requires="v">
-                <p:oleObj spid="_x0000_s341036" name="Equation" r:id="rId12" imgW="1765300" imgH="850900" progId="Equation.DSMT4">
+                <p:oleObj spid="_x0000_s341055" name="Equation" r:id="rId12" imgW="1765300" imgH="850900" progId="Equation.DSMT4">
                   <p:embed/>
                 </p:oleObj>
               </mc:Choice>
@@ -10037,7 +10260,7 @@
           <a:graphicData uri="http://schemas.openxmlformats.org/presentationml/2006/ole">
             <mc:AlternateContent xmlns:mc="http://schemas.openxmlformats.org/markup-compatibility/2006">
               <mc:Choice xmlns:v="urn:schemas-microsoft-com:vml" Requires="v">
-                <p:oleObj spid="_x0000_s341037" name="Equation" r:id="rId14" imgW="1282700" imgH="850900" progId="Equation.DSMT4">
+                <p:oleObj spid="_x0000_s341056" name="Equation" r:id="rId14" imgW="1282700" imgH="850900" progId="Equation.DSMT4">
                   <p:embed/>
                 </p:oleObj>
               </mc:Choice>
@@ -10087,13 +10310,13 @@
   <p:clrMapOvr>
     <a:masterClrMapping/>
   </p:clrMapOvr>
-  <mc:AlternateContent xmlns:mc="http://schemas.openxmlformats.org/markup-compatibility/2006">
-    <mc:Choice xmlns:p14="http://schemas.microsoft.com/office/powerpoint/2010/main" Requires="p14">
+  <mc:AlternateContent xmlns:mc="http://schemas.openxmlformats.org/markup-compatibility/2006" xmlns:p14="http://schemas.microsoft.com/office/powerpoint/2010/main">
+    <mc:Choice Requires="p14">
       <p:transition spd="med" p14:dur="700" advClick="0">
         <p:fade/>
       </p:transition>
     </mc:Choice>
-    <mc:Fallback>
+    <mc:Fallback xmlns="">
       <p:transition xmlns:p14="http://schemas.microsoft.com/office/powerpoint/2010/main" spd="med" advClick="0">
         <p:fade/>
       </p:transition>
@@ -10157,30 +10380,21 @@
                             </p:childTnLst>
                           </p:cTn>
                         </p:par>
-                      </p:childTnLst>
-                    </p:cTn>
-                  </p:par>
-                  <p:par>
-                    <p:cTn id="8" fill="hold">
-                      <p:stCondLst>
-                        <p:cond delay="indefinite"/>
-                      </p:stCondLst>
-                      <p:childTnLst>
                         <p:par>
-                          <p:cTn id="9" fill="hold">
+                          <p:cTn id="8" fill="hold">
                             <p:stCondLst>
-                              <p:cond delay="0"/>
+                              <p:cond delay="500"/>
                             </p:stCondLst>
                             <p:childTnLst>
                               <p:par>
-                                <p:cTn id="10" presetID="22" presetClass="entr" presetSubtype="8" fill="hold" nodeType="clickEffect">
+                                <p:cTn id="9" presetID="22" presetClass="entr" presetSubtype="8" fill="hold" nodeType="afterEffect">
                                   <p:stCondLst>
                                     <p:cond delay="0"/>
                                   </p:stCondLst>
                                   <p:childTnLst>
                                     <p:set>
                                       <p:cBhvr>
-                                        <p:cTn id="11" dur="1" fill="hold">
+                                        <p:cTn id="10" dur="1" fill="hold">
                                           <p:stCondLst>
                                             <p:cond delay="0"/>
                                           </p:stCondLst>
@@ -10198,7 +10412,7 @@
                                     </p:set>
                                     <p:animEffect transition="in" filter="wipe(left)">
                                       <p:cBhvr>
-                                        <p:cTn id="12" dur="1000"/>
+                                        <p:cTn id="11" dur="1000"/>
                                         <p:tgtEl>
                                           <p:spTgt spid="21"/>
                                         </p:tgtEl>
@@ -10214,26 +10428,26 @@
                     </p:cTn>
                   </p:par>
                   <p:par>
-                    <p:cTn id="13" fill="hold">
+                    <p:cTn id="12" fill="hold">
                       <p:stCondLst>
                         <p:cond delay="indefinite"/>
                       </p:stCondLst>
                       <p:childTnLst>
                         <p:par>
-                          <p:cTn id="14" fill="hold">
+                          <p:cTn id="13" fill="hold">
                             <p:stCondLst>
                               <p:cond delay="0"/>
                             </p:stCondLst>
                             <p:childTnLst>
                               <p:par>
-                                <p:cTn id="15" presetID="9" presetClass="entr" presetSubtype="0" fill="hold" nodeType="clickEffect">
+                                <p:cTn id="14" presetID="9" presetClass="entr" presetSubtype="0" fill="hold" nodeType="clickEffect">
                                   <p:stCondLst>
                                     <p:cond delay="0"/>
                                   </p:stCondLst>
                                   <p:childTnLst>
                                     <p:set>
                                       <p:cBhvr>
-                                        <p:cTn id="16" dur="1" fill="hold">
+                                        <p:cTn id="15" dur="1" fill="hold">
                                           <p:stCondLst>
                                             <p:cond delay="0"/>
                                           </p:stCondLst>
@@ -10251,7 +10465,7 @@
                                     </p:set>
                                     <p:animEffect transition="in" filter="dissolve">
                                       <p:cBhvr>
-                                        <p:cTn id="17" dur="500"/>
+                                        <p:cTn id="16" dur="500"/>
                                         <p:tgtEl>
                                           <p:spTgt spid="9"/>
                                         </p:tgtEl>
@@ -10267,26 +10481,26 @@
                     </p:cTn>
                   </p:par>
                   <p:par>
-                    <p:cTn id="18" fill="hold">
+                    <p:cTn id="17" fill="hold">
                       <p:stCondLst>
                         <p:cond delay="indefinite"/>
                       </p:stCondLst>
                       <p:childTnLst>
                         <p:par>
-                          <p:cTn id="19" fill="hold">
+                          <p:cTn id="18" fill="hold">
                             <p:stCondLst>
                               <p:cond delay="0"/>
                             </p:stCondLst>
                             <p:childTnLst>
                               <p:par>
-                                <p:cTn id="20" presetID="22" presetClass="entr" presetSubtype="8" fill="hold" nodeType="clickEffect">
+                                <p:cTn id="19" presetID="22" presetClass="entr" presetSubtype="8" fill="hold" nodeType="clickEffect">
                                   <p:stCondLst>
                                     <p:cond delay="0"/>
                                   </p:stCondLst>
                                   <p:childTnLst>
                                     <p:set>
                                       <p:cBhvr>
-                                        <p:cTn id="21" dur="1" fill="hold">
+                                        <p:cTn id="20" dur="1" fill="hold">
                                           <p:stCondLst>
                                             <p:cond delay="0"/>
                                           </p:stCondLst>
@@ -10304,7 +10518,7 @@
                                     </p:set>
                                     <p:animEffect transition="in" filter="wipe(left)">
                                       <p:cBhvr>
-                                        <p:cTn id="22" dur="1000"/>
+                                        <p:cTn id="21" dur="1000"/>
                                         <p:tgtEl>
                                           <p:spTgt spid="8"/>
                                         </p:tgtEl>
@@ -10320,26 +10534,26 @@
                     </p:cTn>
                   </p:par>
                   <p:par>
-                    <p:cTn id="23" fill="hold">
+                    <p:cTn id="22" fill="hold">
                       <p:stCondLst>
                         <p:cond delay="indefinite"/>
                       </p:stCondLst>
                       <p:childTnLst>
                         <p:par>
-                          <p:cTn id="24" fill="hold">
+                          <p:cTn id="23" fill="hold">
                             <p:stCondLst>
                               <p:cond delay="0"/>
                             </p:stCondLst>
                             <p:childTnLst>
                               <p:par>
-                                <p:cTn id="25" presetID="1" presetClass="entr" presetSubtype="0" fill="hold" nodeType="clickEffect">
+                                <p:cTn id="24" presetID="1" presetClass="entr" presetSubtype="0" fill="hold" nodeType="clickEffect">
                                   <p:stCondLst>
                                     <p:cond delay="0"/>
                                   </p:stCondLst>
                                   <p:childTnLst>
                                     <p:set>
                                       <p:cBhvr>
-                                        <p:cTn id="26" dur="1" fill="hold">
+                                        <p:cTn id="25" dur="1" fill="hold">
                                           <p:stCondLst>
                                             <p:cond delay="0"/>
                                           </p:stCondLst>
@@ -10362,20 +10576,20 @@
                           </p:cTn>
                         </p:par>
                         <p:par>
-                          <p:cTn id="27" fill="hold">
+                          <p:cTn id="26" fill="hold">
                             <p:stCondLst>
                               <p:cond delay="0"/>
                             </p:stCondLst>
                             <p:childTnLst>
                               <p:par>
-                                <p:cTn id="28" presetID="22" presetClass="entr" presetSubtype="1" fill="hold" nodeType="afterEffect">
+                                <p:cTn id="27" presetID="22" presetClass="entr" presetSubtype="1" fill="hold" nodeType="afterEffect">
                                   <p:stCondLst>
                                     <p:cond delay="0"/>
                                   </p:stCondLst>
                                   <p:childTnLst>
                                     <p:set>
                                       <p:cBhvr>
-                                        <p:cTn id="29" dur="1" fill="hold">
+                                        <p:cTn id="28" dur="1" fill="hold">
                                           <p:stCondLst>
                                             <p:cond delay="0"/>
                                           </p:stCondLst>
@@ -10393,7 +10607,7 @@
                                     </p:set>
                                     <p:animEffect transition="in" filter="wipe(up)">
                                       <p:cBhvr>
-                                        <p:cTn id="30" dur="500"/>
+                                        <p:cTn id="29" dur="500"/>
                                         <p:tgtEl>
                                           <p:spTgt spid="17"/>
                                         </p:tgtEl>
@@ -10403,14 +10617,14 @@
                                 </p:cTn>
                               </p:par>
                               <p:par>
-                                <p:cTn id="31" presetID="22" presetClass="entr" presetSubtype="1" fill="hold" nodeType="withEffect">
+                                <p:cTn id="30" presetID="22" presetClass="entr" presetSubtype="1" fill="hold" nodeType="withEffect">
                                   <p:stCondLst>
                                     <p:cond delay="0"/>
                                   </p:stCondLst>
                                   <p:childTnLst>
                                     <p:set>
                                       <p:cBhvr>
-                                        <p:cTn id="32" dur="1" fill="hold">
+                                        <p:cTn id="31" dur="1" fill="hold">
                                           <p:stCondLst>
                                             <p:cond delay="0"/>
                                           </p:stCondLst>
@@ -10428,7 +10642,7 @@
                                     </p:set>
                                     <p:animEffect transition="in" filter="wipe(up)">
                                       <p:cBhvr>
-                                        <p:cTn id="33" dur="500"/>
+                                        <p:cTn id="32" dur="500"/>
                                         <p:tgtEl>
                                           <p:spTgt spid="14"/>
                                         </p:tgtEl>
@@ -10438,14 +10652,14 @@
                                 </p:cTn>
                               </p:par>
                               <p:par>
-                                <p:cTn id="34" presetID="22" presetClass="entr" presetSubtype="1" fill="hold" nodeType="withEffect">
+                                <p:cTn id="33" presetID="22" presetClass="entr" presetSubtype="1" fill="hold" nodeType="withEffect">
                                   <p:stCondLst>
                                     <p:cond delay="0"/>
                                   </p:stCondLst>
                                   <p:childTnLst>
                                     <p:set>
                                       <p:cBhvr>
-                                        <p:cTn id="35" dur="1" fill="hold">
+                                        <p:cTn id="34" dur="1" fill="hold">
                                           <p:stCondLst>
                                             <p:cond delay="0"/>
                                           </p:stCondLst>
@@ -10463,7 +10677,7 @@
                                     </p:set>
                                     <p:animEffect transition="in" filter="wipe(up)">
                                       <p:cBhvr>
-                                        <p:cTn id="36" dur="500"/>
+                                        <p:cTn id="35" dur="500"/>
                                         <p:tgtEl>
                                           <p:spTgt spid="18"/>
                                         </p:tgtEl>
@@ -10476,20 +10690,20 @@
                           </p:cTn>
                         </p:par>
                         <p:par>
-                          <p:cTn id="37" fill="hold">
+                          <p:cTn id="36" fill="hold">
                             <p:stCondLst>
                               <p:cond delay="500"/>
                             </p:stCondLst>
                             <p:childTnLst>
                               <p:par>
-                                <p:cTn id="38" presetID="10" presetClass="entr" presetSubtype="0" fill="hold" nodeType="afterEffect">
+                                <p:cTn id="37" presetID="10" presetClass="entr" presetSubtype="0" fill="hold" nodeType="afterEffect">
                                   <p:stCondLst>
                                     <p:cond delay="0"/>
                                   </p:stCondLst>
                                   <p:childTnLst>
                                     <p:set>
                                       <p:cBhvr>
-                                        <p:cTn id="39" dur="1" fill="hold">
+                                        <p:cTn id="38" dur="1" fill="hold">
                                           <p:stCondLst>
                                             <p:cond delay="0"/>
                                           </p:stCondLst>
@@ -10507,7 +10721,7 @@
                                     </p:set>
                                     <p:animEffect transition="in" filter="fade">
                                       <p:cBhvr>
-                                        <p:cTn id="40" dur="500"/>
+                                        <p:cTn id="39" dur="500"/>
                                         <p:tgtEl>
                                           <p:spTgt spid="19"/>
                                         </p:tgtEl>
